--- a/NUMPY_TUTORIAL_3_SLIDE.pptx
+++ b/NUMPY_TUTORIAL_3_SLIDE.pptx
@@ -199,7 +199,7 @@
           <a:p>
             <a:fld id="{F1526CA4-33C1-AA4F-8A92-0EB9D0326E2C}" type="datetimeFigureOut">
               <a:rPr lang="de-DE" smtClean="0"/>
-              <a:t>18.02.20</a:t>
+              <a:t>21.02.20</a:t>
             </a:fld>
             <a:endParaRPr lang="de-DE"/>
           </a:p>
@@ -616,7 +616,7 @@
           <a:p>
             <a:fld id="{86A81C7E-A40D-3A49-91ED-33427EB082CC}" type="datetime1">
               <a:rPr lang="de-DE" smtClean="0"/>
-              <a:t>18.02.20</a:t>
+              <a:t>21.02.20</a:t>
             </a:fld>
             <a:endParaRPr lang="de-DE"/>
           </a:p>
@@ -819,7 +819,7 @@
           <a:p>
             <a:fld id="{289945F6-E082-4145-8B74-5D7AD452E4F6}" type="datetime1">
               <a:rPr lang="de-DE" smtClean="0"/>
-              <a:t>18.02.20</a:t>
+              <a:t>21.02.20</a:t>
             </a:fld>
             <a:endParaRPr lang="de-DE"/>
           </a:p>
@@ -1032,7 +1032,7 @@
           <a:p>
             <a:fld id="{EF249264-F3DF-834C-BB60-24F93AA74BA2}" type="datetime1">
               <a:rPr lang="de-DE" smtClean="0"/>
-              <a:t>18.02.20</a:t>
+              <a:t>21.02.20</a:t>
             </a:fld>
             <a:endParaRPr lang="de-DE"/>
           </a:p>
@@ -1235,7 +1235,7 @@
           <a:p>
             <a:fld id="{85A80B37-905A-A743-A91C-A605D6B805A7}" type="datetime1">
               <a:rPr lang="de-DE" smtClean="0"/>
-              <a:t>18.02.20</a:t>
+              <a:t>21.02.20</a:t>
             </a:fld>
             <a:endParaRPr lang="de-DE"/>
           </a:p>
@@ -1514,7 +1514,7 @@
           <a:p>
             <a:fld id="{BE3E1D74-D364-5449-A36A-C302575EB181}" type="datetime1">
               <a:rPr lang="de-DE" smtClean="0"/>
-              <a:t>18.02.20</a:t>
+              <a:t>21.02.20</a:t>
             </a:fld>
             <a:endParaRPr lang="de-DE"/>
           </a:p>
@@ -1785,7 +1785,7 @@
           <a:p>
             <a:fld id="{FF5D0593-6FDC-8140-BC70-C88AFB68A612}" type="datetime1">
               <a:rPr lang="de-DE" smtClean="0"/>
-              <a:t>18.02.20</a:t>
+              <a:t>21.02.20</a:t>
             </a:fld>
             <a:endParaRPr lang="de-DE"/>
           </a:p>
@@ -2203,7 +2203,7 @@
           <a:p>
             <a:fld id="{C08EB09B-F677-BF44-BF19-AD91DB0EB4DB}" type="datetime1">
               <a:rPr lang="de-DE" smtClean="0"/>
-              <a:t>18.02.20</a:t>
+              <a:t>21.02.20</a:t>
             </a:fld>
             <a:endParaRPr lang="de-DE"/>
           </a:p>
@@ -2348,7 +2348,7 @@
           <a:p>
             <a:fld id="{AEDDFA77-338F-BD4D-9307-315D5FA0B7EB}" type="datetime1">
               <a:rPr lang="de-DE" smtClean="0"/>
-              <a:t>18.02.20</a:t>
+              <a:t>21.02.20</a:t>
             </a:fld>
             <a:endParaRPr lang="de-DE"/>
           </a:p>
@@ -2464,7 +2464,7 @@
           <a:p>
             <a:fld id="{E830B389-21BF-4C40-9E4C-A52F9A301F14}" type="datetime1">
               <a:rPr lang="de-DE" smtClean="0"/>
-              <a:t>18.02.20</a:t>
+              <a:t>21.02.20</a:t>
             </a:fld>
             <a:endParaRPr lang="de-DE"/>
           </a:p>
@@ -2780,7 +2780,7 @@
           <a:p>
             <a:fld id="{A0030B4D-0DE4-CA4B-823E-7F9BB00E2B8E}" type="datetime1">
               <a:rPr lang="de-DE" smtClean="0"/>
-              <a:t>18.02.20</a:t>
+              <a:t>21.02.20</a:t>
             </a:fld>
             <a:endParaRPr lang="de-DE"/>
           </a:p>
@@ -3072,7 +3072,7 @@
           <a:p>
             <a:fld id="{6F55BEA8-987F-9540-A01F-D683CB078464}" type="datetime1">
               <a:rPr lang="de-DE" smtClean="0"/>
-              <a:t>18.02.20</a:t>
+              <a:t>21.02.20</a:t>
             </a:fld>
             <a:endParaRPr lang="de-DE"/>
           </a:p>
@@ -3326,7 +3326,7 @@
           <a:p>
             <a:fld id="{4FE77377-F83B-1D4C-966D-0FFA75F057E3}" type="datetime1">
               <a:rPr lang="de-DE" smtClean="0"/>
-              <a:t>18.02.20</a:t>
+              <a:t>21.02.20</a:t>
             </a:fld>
             <a:endParaRPr lang="de-DE"/>
           </a:p>
@@ -3864,7 +3864,7 @@
                   <a:srgbClr val="000000"/>
                 </a:highlight>
               </a:rPr>
-              <a:t>18.02.20</a:t>
+              <a:t>21.02.20</a:t>
             </a:fld>
             <a:endParaRPr lang="de-DE" dirty="0">
               <a:highlight>
@@ -4205,7 +4205,7 @@
                   <a:spcPts val="600"/>
                 </a:spcAft>
               </a:pPr>
-              <a:t>2/20/20</a:t>
+              <a:t>2/21/20</a:t>
             </a:fld>
             <a:endParaRPr lang="en-US">
               <a:solidFill>
@@ -4674,7 +4674,7 @@
                   <a:spcPts val="600"/>
                 </a:spcAft>
               </a:pPr>
-              <a:t>2/18/20</a:t>
+              <a:t>2/21/20</a:t>
             </a:fld>
             <a:endParaRPr lang="en-US">
               <a:solidFill>
@@ -4833,7 +4833,7 @@
             </a:pPr>
             <a:r>
               <a:rPr lang="en-US" dirty="0"/>
-              <a:t>Untill we reach to the least dimension</a:t>
+              <a:t>Untill we reach to the first dimension</a:t>
             </a:r>
           </a:p>
           <a:p>
